--- a/module-(1)-softskill-Assignment.pptx
+++ b/module-(1)-softskill-Assignment.pptx
@@ -106,7 +106,7 @@
   </p:defaultTextStyle>
   <p:extLst>
     <p:ext uri="{EFAFB233-063F-42B5-8137-9DF3F51BA10A}">
-      <p15:sldGuideLst xmlns:p15="http://schemas.microsoft.com/office/powerpoint/2012/main"/>
+      <p15:sldGuideLst xmlns:p15="http://schemas.microsoft.com/office/powerpoint/2012/main" xmlns=""/>
     </p:ext>
   </p:extLst>
 </p:presentation>
@@ -186,7 +186,7 @@
           <p:cNvPr id="2" name="Title 1">
             <a:extLst>
               <a:ext uri="{FF2B5EF4-FFF2-40B4-BE49-F238E27FC236}">
-                <a16:creationId xmlns:a16="http://schemas.microsoft.com/office/drawing/2014/main" id="{6C5EED06-93F9-39F7-20BD-6FF4EAB4118A}"/>
+                <a16:creationId xmlns:a16="http://schemas.microsoft.com/office/drawing/2014/main" xmlns="" id="{6C5EED06-93F9-39F7-20BD-6FF4EAB4118A}"/>
               </a:ext>
             </a:extLst>
           </p:cNvPr>
@@ -224,7 +224,7 @@
           <p:cNvPr id="3" name="Subtitle 2">
             <a:extLst>
               <a:ext uri="{FF2B5EF4-FFF2-40B4-BE49-F238E27FC236}">
-                <a16:creationId xmlns:a16="http://schemas.microsoft.com/office/drawing/2014/main" id="{CF7341F9-0458-56AF-1BA7-F36C180D72C6}"/>
+                <a16:creationId xmlns:a16="http://schemas.microsoft.com/office/drawing/2014/main" xmlns="" id="{CF7341F9-0458-56AF-1BA7-F36C180D72C6}"/>
               </a:ext>
             </a:extLst>
           </p:cNvPr>
@@ -295,7 +295,7 @@
           <p:cNvPr id="4" name="Date Placeholder 3">
             <a:extLst>
               <a:ext uri="{FF2B5EF4-FFF2-40B4-BE49-F238E27FC236}">
-                <a16:creationId xmlns:a16="http://schemas.microsoft.com/office/drawing/2014/main" id="{6DD321CA-C8A2-BC68-8790-27492C21808E}"/>
+                <a16:creationId xmlns:a16="http://schemas.microsoft.com/office/drawing/2014/main" xmlns="" id="{6DD321CA-C8A2-BC68-8790-27492C21808E}"/>
               </a:ext>
             </a:extLst>
           </p:cNvPr>
@@ -313,7 +313,8 @@
           <a:p>
             <a:fld id="{41A2B47E-BB99-4BBB-8B1A-3F49A22E7544}" type="datetimeFigureOut">
               <a:rPr lang="en-IN" smtClean="0"/>
-              <a:t>24-05-2024</a:t>
+              <a:pPr/>
+              <a:t>06-06-2024</a:t>
             </a:fld>
             <a:endParaRPr lang="en-IN"/>
           </a:p>
@@ -324,7 +325,7 @@
           <p:cNvPr id="5" name="Footer Placeholder 4">
             <a:extLst>
               <a:ext uri="{FF2B5EF4-FFF2-40B4-BE49-F238E27FC236}">
-                <a16:creationId xmlns:a16="http://schemas.microsoft.com/office/drawing/2014/main" id="{7474FDA2-090E-9BDA-CD37-DB910FF77F61}"/>
+                <a16:creationId xmlns:a16="http://schemas.microsoft.com/office/drawing/2014/main" xmlns="" id="{7474FDA2-090E-9BDA-CD37-DB910FF77F61}"/>
               </a:ext>
             </a:extLst>
           </p:cNvPr>
@@ -349,7 +350,7 @@
           <p:cNvPr id="6" name="Slide Number Placeholder 5">
             <a:extLst>
               <a:ext uri="{FF2B5EF4-FFF2-40B4-BE49-F238E27FC236}">
-                <a16:creationId xmlns:a16="http://schemas.microsoft.com/office/drawing/2014/main" id="{97A85B82-FEB1-8A6B-1D5C-2E3782053419}"/>
+                <a16:creationId xmlns:a16="http://schemas.microsoft.com/office/drawing/2014/main" xmlns="" id="{97A85B82-FEB1-8A6B-1D5C-2E3782053419}"/>
               </a:ext>
             </a:extLst>
           </p:cNvPr>
@@ -367,6 +368,7 @@
           <a:p>
             <a:fld id="{653E9718-0D39-422C-B19B-871401BBD83E}" type="slidenum">
               <a:rPr lang="en-IN" smtClean="0"/>
+              <a:pPr/>
               <a:t>‹#›</a:t>
             </a:fld>
             <a:endParaRPr lang="en-IN"/>
@@ -376,7 +378,7 @@
     </p:spTree>
     <p:extLst>
       <p:ext uri="{BB962C8B-B14F-4D97-AF65-F5344CB8AC3E}">
-        <p14:creationId xmlns:p14="http://schemas.microsoft.com/office/powerpoint/2010/main" val="312038120"/>
+        <p14:creationId xmlns:p14="http://schemas.microsoft.com/office/powerpoint/2010/main" xmlns="" val="312038120"/>
       </p:ext>
     </p:extLst>
   </p:cSld>
@@ -408,7 +410,7 @@
           <p:cNvPr id="2" name="Title 1">
             <a:extLst>
               <a:ext uri="{FF2B5EF4-FFF2-40B4-BE49-F238E27FC236}">
-                <a16:creationId xmlns:a16="http://schemas.microsoft.com/office/drawing/2014/main" id="{CE1B61E8-2A94-8EAF-444C-B0EAD88B7ED8}"/>
+                <a16:creationId xmlns:a16="http://schemas.microsoft.com/office/drawing/2014/main" xmlns="" id="{CE1B61E8-2A94-8EAF-444C-B0EAD88B7ED8}"/>
               </a:ext>
             </a:extLst>
           </p:cNvPr>
@@ -437,7 +439,7 @@
           <p:cNvPr id="3" name="Vertical Text Placeholder 2">
             <a:extLst>
               <a:ext uri="{FF2B5EF4-FFF2-40B4-BE49-F238E27FC236}">
-                <a16:creationId xmlns:a16="http://schemas.microsoft.com/office/drawing/2014/main" id="{6534A3F8-1384-1B90-7933-0B09F8C21B3D}"/>
+                <a16:creationId xmlns:a16="http://schemas.microsoft.com/office/drawing/2014/main" xmlns="" id="{6534A3F8-1384-1B90-7933-0B09F8C21B3D}"/>
               </a:ext>
             </a:extLst>
           </p:cNvPr>
@@ -495,7 +497,7 @@
           <p:cNvPr id="4" name="Date Placeholder 3">
             <a:extLst>
               <a:ext uri="{FF2B5EF4-FFF2-40B4-BE49-F238E27FC236}">
-                <a16:creationId xmlns:a16="http://schemas.microsoft.com/office/drawing/2014/main" id="{6649AA74-EACB-FD1B-5892-0324281139E7}"/>
+                <a16:creationId xmlns:a16="http://schemas.microsoft.com/office/drawing/2014/main" xmlns="" id="{6649AA74-EACB-FD1B-5892-0324281139E7}"/>
               </a:ext>
             </a:extLst>
           </p:cNvPr>
@@ -513,7 +515,8 @@
           <a:p>
             <a:fld id="{41A2B47E-BB99-4BBB-8B1A-3F49A22E7544}" type="datetimeFigureOut">
               <a:rPr lang="en-IN" smtClean="0"/>
-              <a:t>24-05-2024</a:t>
+              <a:pPr/>
+              <a:t>06-06-2024</a:t>
             </a:fld>
             <a:endParaRPr lang="en-IN"/>
           </a:p>
@@ -524,7 +527,7 @@
           <p:cNvPr id="5" name="Footer Placeholder 4">
             <a:extLst>
               <a:ext uri="{FF2B5EF4-FFF2-40B4-BE49-F238E27FC236}">
-                <a16:creationId xmlns:a16="http://schemas.microsoft.com/office/drawing/2014/main" id="{D6739685-DDD5-23BA-E9DB-381716500563}"/>
+                <a16:creationId xmlns:a16="http://schemas.microsoft.com/office/drawing/2014/main" xmlns="" id="{D6739685-DDD5-23BA-E9DB-381716500563}"/>
               </a:ext>
             </a:extLst>
           </p:cNvPr>
@@ -549,7 +552,7 @@
           <p:cNvPr id="6" name="Slide Number Placeholder 5">
             <a:extLst>
               <a:ext uri="{FF2B5EF4-FFF2-40B4-BE49-F238E27FC236}">
-                <a16:creationId xmlns:a16="http://schemas.microsoft.com/office/drawing/2014/main" id="{BFB9EA2B-4B61-497D-A0DE-20F581F3586E}"/>
+                <a16:creationId xmlns:a16="http://schemas.microsoft.com/office/drawing/2014/main" xmlns="" id="{BFB9EA2B-4B61-497D-A0DE-20F581F3586E}"/>
               </a:ext>
             </a:extLst>
           </p:cNvPr>
@@ -567,6 +570,7 @@
           <a:p>
             <a:fld id="{653E9718-0D39-422C-B19B-871401BBD83E}" type="slidenum">
               <a:rPr lang="en-IN" smtClean="0"/>
+              <a:pPr/>
               <a:t>‹#›</a:t>
             </a:fld>
             <a:endParaRPr lang="en-IN"/>
@@ -576,7 +580,7 @@
     </p:spTree>
     <p:extLst>
       <p:ext uri="{BB962C8B-B14F-4D97-AF65-F5344CB8AC3E}">
-        <p14:creationId xmlns:p14="http://schemas.microsoft.com/office/powerpoint/2010/main" val="347800565"/>
+        <p14:creationId xmlns:p14="http://schemas.microsoft.com/office/powerpoint/2010/main" xmlns="" val="347800565"/>
       </p:ext>
     </p:extLst>
   </p:cSld>
@@ -608,7 +612,7 @@
           <p:cNvPr id="2" name="Vertical Title 1">
             <a:extLst>
               <a:ext uri="{FF2B5EF4-FFF2-40B4-BE49-F238E27FC236}">
-                <a16:creationId xmlns:a16="http://schemas.microsoft.com/office/drawing/2014/main" id="{63981DC4-BD7B-EB34-A611-B71529B3F346}"/>
+                <a16:creationId xmlns:a16="http://schemas.microsoft.com/office/drawing/2014/main" xmlns="" id="{63981DC4-BD7B-EB34-A611-B71529B3F346}"/>
               </a:ext>
             </a:extLst>
           </p:cNvPr>
@@ -642,7 +646,7 @@
           <p:cNvPr id="3" name="Vertical Text Placeholder 2">
             <a:extLst>
               <a:ext uri="{FF2B5EF4-FFF2-40B4-BE49-F238E27FC236}">
-                <a16:creationId xmlns:a16="http://schemas.microsoft.com/office/drawing/2014/main" id="{99A21BDA-25B7-481E-9C82-D263770ECC66}"/>
+                <a16:creationId xmlns:a16="http://schemas.microsoft.com/office/drawing/2014/main" xmlns="" id="{99A21BDA-25B7-481E-9C82-D263770ECC66}"/>
               </a:ext>
             </a:extLst>
           </p:cNvPr>
@@ -705,7 +709,7 @@
           <p:cNvPr id="4" name="Date Placeholder 3">
             <a:extLst>
               <a:ext uri="{FF2B5EF4-FFF2-40B4-BE49-F238E27FC236}">
-                <a16:creationId xmlns:a16="http://schemas.microsoft.com/office/drawing/2014/main" id="{8382F82D-8242-CEEB-6F8F-7AC8533052FA}"/>
+                <a16:creationId xmlns:a16="http://schemas.microsoft.com/office/drawing/2014/main" xmlns="" id="{8382F82D-8242-CEEB-6F8F-7AC8533052FA}"/>
               </a:ext>
             </a:extLst>
           </p:cNvPr>
@@ -723,7 +727,8 @@
           <a:p>
             <a:fld id="{41A2B47E-BB99-4BBB-8B1A-3F49A22E7544}" type="datetimeFigureOut">
               <a:rPr lang="en-IN" smtClean="0"/>
-              <a:t>24-05-2024</a:t>
+              <a:pPr/>
+              <a:t>06-06-2024</a:t>
             </a:fld>
             <a:endParaRPr lang="en-IN"/>
           </a:p>
@@ -734,7 +739,7 @@
           <p:cNvPr id="5" name="Footer Placeholder 4">
             <a:extLst>
               <a:ext uri="{FF2B5EF4-FFF2-40B4-BE49-F238E27FC236}">
-                <a16:creationId xmlns:a16="http://schemas.microsoft.com/office/drawing/2014/main" id="{74DA0241-CC24-CF6C-1518-BB55A7ED9BD6}"/>
+                <a16:creationId xmlns:a16="http://schemas.microsoft.com/office/drawing/2014/main" xmlns="" id="{74DA0241-CC24-CF6C-1518-BB55A7ED9BD6}"/>
               </a:ext>
             </a:extLst>
           </p:cNvPr>
@@ -759,7 +764,7 @@
           <p:cNvPr id="6" name="Slide Number Placeholder 5">
             <a:extLst>
               <a:ext uri="{FF2B5EF4-FFF2-40B4-BE49-F238E27FC236}">
-                <a16:creationId xmlns:a16="http://schemas.microsoft.com/office/drawing/2014/main" id="{EA26D4EC-43EB-E6D7-DA4C-DCABC0E49998}"/>
+                <a16:creationId xmlns:a16="http://schemas.microsoft.com/office/drawing/2014/main" xmlns="" id="{EA26D4EC-43EB-E6D7-DA4C-DCABC0E49998}"/>
               </a:ext>
             </a:extLst>
           </p:cNvPr>
@@ -777,6 +782,7 @@
           <a:p>
             <a:fld id="{653E9718-0D39-422C-B19B-871401BBD83E}" type="slidenum">
               <a:rPr lang="en-IN" smtClean="0"/>
+              <a:pPr/>
               <a:t>‹#›</a:t>
             </a:fld>
             <a:endParaRPr lang="en-IN"/>
@@ -786,7 +792,7 @@
     </p:spTree>
     <p:extLst>
       <p:ext uri="{BB962C8B-B14F-4D97-AF65-F5344CB8AC3E}">
-        <p14:creationId xmlns:p14="http://schemas.microsoft.com/office/powerpoint/2010/main" val="2236150938"/>
+        <p14:creationId xmlns:p14="http://schemas.microsoft.com/office/powerpoint/2010/main" xmlns="" val="2236150938"/>
       </p:ext>
     </p:extLst>
   </p:cSld>
@@ -818,7 +824,7 @@
           <p:cNvPr id="2" name="Title 1">
             <a:extLst>
               <a:ext uri="{FF2B5EF4-FFF2-40B4-BE49-F238E27FC236}">
-                <a16:creationId xmlns:a16="http://schemas.microsoft.com/office/drawing/2014/main" id="{791A65FF-C18B-B99B-BBB7-427D14E10477}"/>
+                <a16:creationId xmlns:a16="http://schemas.microsoft.com/office/drawing/2014/main" xmlns="" id="{791A65FF-C18B-B99B-BBB7-427D14E10477}"/>
               </a:ext>
             </a:extLst>
           </p:cNvPr>
@@ -847,7 +853,7 @@
           <p:cNvPr id="3" name="Content Placeholder 2">
             <a:extLst>
               <a:ext uri="{FF2B5EF4-FFF2-40B4-BE49-F238E27FC236}">
-                <a16:creationId xmlns:a16="http://schemas.microsoft.com/office/drawing/2014/main" id="{9976C3D3-ED12-39ED-8694-03D5BE0B9686}"/>
+                <a16:creationId xmlns:a16="http://schemas.microsoft.com/office/drawing/2014/main" xmlns="" id="{9976C3D3-ED12-39ED-8694-03D5BE0B9686}"/>
               </a:ext>
             </a:extLst>
           </p:cNvPr>
@@ -905,7 +911,7 @@
           <p:cNvPr id="4" name="Date Placeholder 3">
             <a:extLst>
               <a:ext uri="{FF2B5EF4-FFF2-40B4-BE49-F238E27FC236}">
-                <a16:creationId xmlns:a16="http://schemas.microsoft.com/office/drawing/2014/main" id="{3EBFC86E-1B65-2EBA-9BFA-93F452BDE81A}"/>
+                <a16:creationId xmlns:a16="http://schemas.microsoft.com/office/drawing/2014/main" xmlns="" id="{3EBFC86E-1B65-2EBA-9BFA-93F452BDE81A}"/>
               </a:ext>
             </a:extLst>
           </p:cNvPr>
@@ -923,7 +929,8 @@
           <a:p>
             <a:fld id="{41A2B47E-BB99-4BBB-8B1A-3F49A22E7544}" type="datetimeFigureOut">
               <a:rPr lang="en-IN" smtClean="0"/>
-              <a:t>24-05-2024</a:t>
+              <a:pPr/>
+              <a:t>06-06-2024</a:t>
             </a:fld>
             <a:endParaRPr lang="en-IN"/>
           </a:p>
@@ -934,7 +941,7 @@
           <p:cNvPr id="5" name="Footer Placeholder 4">
             <a:extLst>
               <a:ext uri="{FF2B5EF4-FFF2-40B4-BE49-F238E27FC236}">
-                <a16:creationId xmlns:a16="http://schemas.microsoft.com/office/drawing/2014/main" id="{7C92C99F-9D21-4AFF-B030-3745FDEAFDF3}"/>
+                <a16:creationId xmlns:a16="http://schemas.microsoft.com/office/drawing/2014/main" xmlns="" id="{7C92C99F-9D21-4AFF-B030-3745FDEAFDF3}"/>
               </a:ext>
             </a:extLst>
           </p:cNvPr>
@@ -959,7 +966,7 @@
           <p:cNvPr id="6" name="Slide Number Placeholder 5">
             <a:extLst>
               <a:ext uri="{FF2B5EF4-FFF2-40B4-BE49-F238E27FC236}">
-                <a16:creationId xmlns:a16="http://schemas.microsoft.com/office/drawing/2014/main" id="{CD25C37C-8AC6-D103-53FE-D7B84C6AD819}"/>
+                <a16:creationId xmlns:a16="http://schemas.microsoft.com/office/drawing/2014/main" xmlns="" id="{CD25C37C-8AC6-D103-53FE-D7B84C6AD819}"/>
               </a:ext>
             </a:extLst>
           </p:cNvPr>
@@ -977,6 +984,7 @@
           <a:p>
             <a:fld id="{653E9718-0D39-422C-B19B-871401BBD83E}" type="slidenum">
               <a:rPr lang="en-IN" smtClean="0"/>
+              <a:pPr/>
               <a:t>‹#›</a:t>
             </a:fld>
             <a:endParaRPr lang="en-IN"/>
@@ -986,7 +994,7 @@
     </p:spTree>
     <p:extLst>
       <p:ext uri="{BB962C8B-B14F-4D97-AF65-F5344CB8AC3E}">
-        <p14:creationId xmlns:p14="http://schemas.microsoft.com/office/powerpoint/2010/main" val="3976833517"/>
+        <p14:creationId xmlns:p14="http://schemas.microsoft.com/office/powerpoint/2010/main" xmlns="" val="3976833517"/>
       </p:ext>
     </p:extLst>
   </p:cSld>
@@ -1018,7 +1026,7 @@
           <p:cNvPr id="2" name="Title 1">
             <a:extLst>
               <a:ext uri="{FF2B5EF4-FFF2-40B4-BE49-F238E27FC236}">
-                <a16:creationId xmlns:a16="http://schemas.microsoft.com/office/drawing/2014/main" id="{38929635-7DAE-BAE1-B97F-5F63CE5F222A}"/>
+                <a16:creationId xmlns:a16="http://schemas.microsoft.com/office/drawing/2014/main" xmlns="" id="{38929635-7DAE-BAE1-B97F-5F63CE5F222A}"/>
               </a:ext>
             </a:extLst>
           </p:cNvPr>
@@ -1056,7 +1064,7 @@
           <p:cNvPr id="3" name="Text Placeholder 2">
             <a:extLst>
               <a:ext uri="{FF2B5EF4-FFF2-40B4-BE49-F238E27FC236}">
-                <a16:creationId xmlns:a16="http://schemas.microsoft.com/office/drawing/2014/main" id="{A516F36B-333C-208D-523F-4A1168C5A364}"/>
+                <a16:creationId xmlns:a16="http://schemas.microsoft.com/office/drawing/2014/main" xmlns="" id="{A516F36B-333C-208D-523F-4A1168C5A364}"/>
               </a:ext>
             </a:extLst>
           </p:cNvPr>
@@ -1181,7 +1189,7 @@
           <p:cNvPr id="4" name="Date Placeholder 3">
             <a:extLst>
               <a:ext uri="{FF2B5EF4-FFF2-40B4-BE49-F238E27FC236}">
-                <a16:creationId xmlns:a16="http://schemas.microsoft.com/office/drawing/2014/main" id="{36097600-1397-05C5-C5E6-D8F1CF960D2F}"/>
+                <a16:creationId xmlns:a16="http://schemas.microsoft.com/office/drawing/2014/main" xmlns="" id="{36097600-1397-05C5-C5E6-D8F1CF960D2F}"/>
               </a:ext>
             </a:extLst>
           </p:cNvPr>
@@ -1199,7 +1207,8 @@
           <a:p>
             <a:fld id="{41A2B47E-BB99-4BBB-8B1A-3F49A22E7544}" type="datetimeFigureOut">
               <a:rPr lang="en-IN" smtClean="0"/>
-              <a:t>24-05-2024</a:t>
+              <a:pPr/>
+              <a:t>06-06-2024</a:t>
             </a:fld>
             <a:endParaRPr lang="en-IN"/>
           </a:p>
@@ -1210,7 +1219,7 @@
           <p:cNvPr id="5" name="Footer Placeholder 4">
             <a:extLst>
               <a:ext uri="{FF2B5EF4-FFF2-40B4-BE49-F238E27FC236}">
-                <a16:creationId xmlns:a16="http://schemas.microsoft.com/office/drawing/2014/main" id="{40E2E79D-74AA-EE6B-F501-E53328E6EC81}"/>
+                <a16:creationId xmlns:a16="http://schemas.microsoft.com/office/drawing/2014/main" xmlns="" id="{40E2E79D-74AA-EE6B-F501-E53328E6EC81}"/>
               </a:ext>
             </a:extLst>
           </p:cNvPr>
@@ -1235,7 +1244,7 @@
           <p:cNvPr id="6" name="Slide Number Placeholder 5">
             <a:extLst>
               <a:ext uri="{FF2B5EF4-FFF2-40B4-BE49-F238E27FC236}">
-                <a16:creationId xmlns:a16="http://schemas.microsoft.com/office/drawing/2014/main" id="{0FD7A618-B85C-218D-DAE3-3F2A06784B71}"/>
+                <a16:creationId xmlns:a16="http://schemas.microsoft.com/office/drawing/2014/main" xmlns="" id="{0FD7A618-B85C-218D-DAE3-3F2A06784B71}"/>
               </a:ext>
             </a:extLst>
           </p:cNvPr>
@@ -1253,6 +1262,7 @@
           <a:p>
             <a:fld id="{653E9718-0D39-422C-B19B-871401BBD83E}" type="slidenum">
               <a:rPr lang="en-IN" smtClean="0"/>
+              <a:pPr/>
               <a:t>‹#›</a:t>
             </a:fld>
             <a:endParaRPr lang="en-IN"/>
@@ -1262,7 +1272,7 @@
     </p:spTree>
     <p:extLst>
       <p:ext uri="{BB962C8B-B14F-4D97-AF65-F5344CB8AC3E}">
-        <p14:creationId xmlns:p14="http://schemas.microsoft.com/office/powerpoint/2010/main" val="2952361096"/>
+        <p14:creationId xmlns:p14="http://schemas.microsoft.com/office/powerpoint/2010/main" xmlns="" val="2952361096"/>
       </p:ext>
     </p:extLst>
   </p:cSld>
@@ -1294,7 +1304,7 @@
           <p:cNvPr id="2" name="Title 1">
             <a:extLst>
               <a:ext uri="{FF2B5EF4-FFF2-40B4-BE49-F238E27FC236}">
-                <a16:creationId xmlns:a16="http://schemas.microsoft.com/office/drawing/2014/main" id="{91969CD2-E827-E34E-E6C5-6B236B924EEC}"/>
+                <a16:creationId xmlns:a16="http://schemas.microsoft.com/office/drawing/2014/main" xmlns="" id="{91969CD2-E827-E34E-E6C5-6B236B924EEC}"/>
               </a:ext>
             </a:extLst>
           </p:cNvPr>
@@ -1323,7 +1333,7 @@
           <p:cNvPr id="3" name="Content Placeholder 2">
             <a:extLst>
               <a:ext uri="{FF2B5EF4-FFF2-40B4-BE49-F238E27FC236}">
-                <a16:creationId xmlns:a16="http://schemas.microsoft.com/office/drawing/2014/main" id="{25698B07-1012-399F-E9B0-5C86AF9A3AD1}"/>
+                <a16:creationId xmlns:a16="http://schemas.microsoft.com/office/drawing/2014/main" xmlns="" id="{25698B07-1012-399F-E9B0-5C86AF9A3AD1}"/>
               </a:ext>
             </a:extLst>
           </p:cNvPr>
@@ -1386,7 +1396,7 @@
           <p:cNvPr id="4" name="Content Placeholder 3">
             <a:extLst>
               <a:ext uri="{FF2B5EF4-FFF2-40B4-BE49-F238E27FC236}">
-                <a16:creationId xmlns:a16="http://schemas.microsoft.com/office/drawing/2014/main" id="{91B10049-0C21-0552-7C98-1EB786AE4EB5}"/>
+                <a16:creationId xmlns:a16="http://schemas.microsoft.com/office/drawing/2014/main" xmlns="" id="{91B10049-0C21-0552-7C98-1EB786AE4EB5}"/>
               </a:ext>
             </a:extLst>
           </p:cNvPr>
@@ -1449,7 +1459,7 @@
           <p:cNvPr id="5" name="Date Placeholder 4">
             <a:extLst>
               <a:ext uri="{FF2B5EF4-FFF2-40B4-BE49-F238E27FC236}">
-                <a16:creationId xmlns:a16="http://schemas.microsoft.com/office/drawing/2014/main" id="{83C98D0E-7C6A-EF0A-8764-D4C1AA77E1FF}"/>
+                <a16:creationId xmlns:a16="http://schemas.microsoft.com/office/drawing/2014/main" xmlns="" id="{83C98D0E-7C6A-EF0A-8764-D4C1AA77E1FF}"/>
               </a:ext>
             </a:extLst>
           </p:cNvPr>
@@ -1467,7 +1477,8 @@
           <a:p>
             <a:fld id="{41A2B47E-BB99-4BBB-8B1A-3F49A22E7544}" type="datetimeFigureOut">
               <a:rPr lang="en-IN" smtClean="0"/>
-              <a:t>24-05-2024</a:t>
+              <a:pPr/>
+              <a:t>06-06-2024</a:t>
             </a:fld>
             <a:endParaRPr lang="en-IN"/>
           </a:p>
@@ -1478,7 +1489,7 @@
           <p:cNvPr id="6" name="Footer Placeholder 5">
             <a:extLst>
               <a:ext uri="{FF2B5EF4-FFF2-40B4-BE49-F238E27FC236}">
-                <a16:creationId xmlns:a16="http://schemas.microsoft.com/office/drawing/2014/main" id="{DAE0DA26-78F4-EECF-B663-B35E3E16419A}"/>
+                <a16:creationId xmlns:a16="http://schemas.microsoft.com/office/drawing/2014/main" xmlns="" id="{DAE0DA26-78F4-EECF-B663-B35E3E16419A}"/>
               </a:ext>
             </a:extLst>
           </p:cNvPr>
@@ -1503,7 +1514,7 @@
           <p:cNvPr id="7" name="Slide Number Placeholder 6">
             <a:extLst>
               <a:ext uri="{FF2B5EF4-FFF2-40B4-BE49-F238E27FC236}">
-                <a16:creationId xmlns:a16="http://schemas.microsoft.com/office/drawing/2014/main" id="{BBEE562B-2E90-9278-75BD-171751E71EE3}"/>
+                <a16:creationId xmlns:a16="http://schemas.microsoft.com/office/drawing/2014/main" xmlns="" id="{BBEE562B-2E90-9278-75BD-171751E71EE3}"/>
               </a:ext>
             </a:extLst>
           </p:cNvPr>
@@ -1521,6 +1532,7 @@
           <a:p>
             <a:fld id="{653E9718-0D39-422C-B19B-871401BBD83E}" type="slidenum">
               <a:rPr lang="en-IN" smtClean="0"/>
+              <a:pPr/>
               <a:t>‹#›</a:t>
             </a:fld>
             <a:endParaRPr lang="en-IN"/>
@@ -1530,7 +1542,7 @@
     </p:spTree>
     <p:extLst>
       <p:ext uri="{BB962C8B-B14F-4D97-AF65-F5344CB8AC3E}">
-        <p14:creationId xmlns:p14="http://schemas.microsoft.com/office/powerpoint/2010/main" val="3034827565"/>
+        <p14:creationId xmlns:p14="http://schemas.microsoft.com/office/powerpoint/2010/main" xmlns="" val="3034827565"/>
       </p:ext>
     </p:extLst>
   </p:cSld>
@@ -1562,7 +1574,7 @@
           <p:cNvPr id="2" name="Title 1">
             <a:extLst>
               <a:ext uri="{FF2B5EF4-FFF2-40B4-BE49-F238E27FC236}">
-                <a16:creationId xmlns:a16="http://schemas.microsoft.com/office/drawing/2014/main" id="{38241A14-1189-5CDE-A170-D1645B7E1B48}"/>
+                <a16:creationId xmlns:a16="http://schemas.microsoft.com/office/drawing/2014/main" xmlns="" id="{38241A14-1189-5CDE-A170-D1645B7E1B48}"/>
               </a:ext>
             </a:extLst>
           </p:cNvPr>
@@ -1596,7 +1608,7 @@
           <p:cNvPr id="3" name="Text Placeholder 2">
             <a:extLst>
               <a:ext uri="{FF2B5EF4-FFF2-40B4-BE49-F238E27FC236}">
-                <a16:creationId xmlns:a16="http://schemas.microsoft.com/office/drawing/2014/main" id="{CF34A0B6-5851-037E-1881-3470D7D072D0}"/>
+                <a16:creationId xmlns:a16="http://schemas.microsoft.com/office/drawing/2014/main" xmlns="" id="{CF34A0B6-5851-037E-1881-3470D7D072D0}"/>
               </a:ext>
             </a:extLst>
           </p:cNvPr>
@@ -1667,7 +1679,7 @@
           <p:cNvPr id="4" name="Content Placeholder 3">
             <a:extLst>
               <a:ext uri="{FF2B5EF4-FFF2-40B4-BE49-F238E27FC236}">
-                <a16:creationId xmlns:a16="http://schemas.microsoft.com/office/drawing/2014/main" id="{97958BA7-8FDD-F602-C701-3E3DFC2A9D0B}"/>
+                <a16:creationId xmlns:a16="http://schemas.microsoft.com/office/drawing/2014/main" xmlns="" id="{97958BA7-8FDD-F602-C701-3E3DFC2A9D0B}"/>
               </a:ext>
             </a:extLst>
           </p:cNvPr>
@@ -1730,7 +1742,7 @@
           <p:cNvPr id="5" name="Text Placeholder 4">
             <a:extLst>
               <a:ext uri="{FF2B5EF4-FFF2-40B4-BE49-F238E27FC236}">
-                <a16:creationId xmlns:a16="http://schemas.microsoft.com/office/drawing/2014/main" id="{6B7CE0A6-72BF-232D-0415-5D0B958A73AC}"/>
+                <a16:creationId xmlns:a16="http://schemas.microsoft.com/office/drawing/2014/main" xmlns="" id="{6B7CE0A6-72BF-232D-0415-5D0B958A73AC}"/>
               </a:ext>
             </a:extLst>
           </p:cNvPr>
@@ -1801,7 +1813,7 @@
           <p:cNvPr id="6" name="Content Placeholder 5">
             <a:extLst>
               <a:ext uri="{FF2B5EF4-FFF2-40B4-BE49-F238E27FC236}">
-                <a16:creationId xmlns:a16="http://schemas.microsoft.com/office/drawing/2014/main" id="{F0834151-47B0-4659-0E48-EF094ECAEB3E}"/>
+                <a16:creationId xmlns:a16="http://schemas.microsoft.com/office/drawing/2014/main" xmlns="" id="{F0834151-47B0-4659-0E48-EF094ECAEB3E}"/>
               </a:ext>
             </a:extLst>
           </p:cNvPr>
@@ -1864,7 +1876,7 @@
           <p:cNvPr id="7" name="Date Placeholder 6">
             <a:extLst>
               <a:ext uri="{FF2B5EF4-FFF2-40B4-BE49-F238E27FC236}">
-                <a16:creationId xmlns:a16="http://schemas.microsoft.com/office/drawing/2014/main" id="{446AEC77-627B-9A64-61D5-09D923E2B9B0}"/>
+                <a16:creationId xmlns:a16="http://schemas.microsoft.com/office/drawing/2014/main" xmlns="" id="{446AEC77-627B-9A64-61D5-09D923E2B9B0}"/>
               </a:ext>
             </a:extLst>
           </p:cNvPr>
@@ -1882,7 +1894,8 @@
           <a:p>
             <a:fld id="{41A2B47E-BB99-4BBB-8B1A-3F49A22E7544}" type="datetimeFigureOut">
               <a:rPr lang="en-IN" smtClean="0"/>
-              <a:t>24-05-2024</a:t>
+              <a:pPr/>
+              <a:t>06-06-2024</a:t>
             </a:fld>
             <a:endParaRPr lang="en-IN"/>
           </a:p>
@@ -1893,7 +1906,7 @@
           <p:cNvPr id="8" name="Footer Placeholder 7">
             <a:extLst>
               <a:ext uri="{FF2B5EF4-FFF2-40B4-BE49-F238E27FC236}">
-                <a16:creationId xmlns:a16="http://schemas.microsoft.com/office/drawing/2014/main" id="{346C271D-07DE-B005-9BE2-A62DD68E3029}"/>
+                <a16:creationId xmlns:a16="http://schemas.microsoft.com/office/drawing/2014/main" xmlns="" id="{346C271D-07DE-B005-9BE2-A62DD68E3029}"/>
               </a:ext>
             </a:extLst>
           </p:cNvPr>
@@ -1918,7 +1931,7 @@
           <p:cNvPr id="9" name="Slide Number Placeholder 8">
             <a:extLst>
               <a:ext uri="{FF2B5EF4-FFF2-40B4-BE49-F238E27FC236}">
-                <a16:creationId xmlns:a16="http://schemas.microsoft.com/office/drawing/2014/main" id="{2034DFD0-3520-8C98-8778-E976B68B935A}"/>
+                <a16:creationId xmlns:a16="http://schemas.microsoft.com/office/drawing/2014/main" xmlns="" id="{2034DFD0-3520-8C98-8778-E976B68B935A}"/>
               </a:ext>
             </a:extLst>
           </p:cNvPr>
@@ -1936,6 +1949,7 @@
           <a:p>
             <a:fld id="{653E9718-0D39-422C-B19B-871401BBD83E}" type="slidenum">
               <a:rPr lang="en-IN" smtClean="0"/>
+              <a:pPr/>
               <a:t>‹#›</a:t>
             </a:fld>
             <a:endParaRPr lang="en-IN"/>
@@ -1945,7 +1959,7 @@
     </p:spTree>
     <p:extLst>
       <p:ext uri="{BB962C8B-B14F-4D97-AF65-F5344CB8AC3E}">
-        <p14:creationId xmlns:p14="http://schemas.microsoft.com/office/powerpoint/2010/main" val="336538182"/>
+        <p14:creationId xmlns:p14="http://schemas.microsoft.com/office/powerpoint/2010/main" xmlns="" val="336538182"/>
       </p:ext>
     </p:extLst>
   </p:cSld>
@@ -1977,7 +1991,7 @@
           <p:cNvPr id="2" name="Title 1">
             <a:extLst>
               <a:ext uri="{FF2B5EF4-FFF2-40B4-BE49-F238E27FC236}">
-                <a16:creationId xmlns:a16="http://schemas.microsoft.com/office/drawing/2014/main" id="{79201C9E-489A-C19F-79FE-78E2A8A97AA4}"/>
+                <a16:creationId xmlns:a16="http://schemas.microsoft.com/office/drawing/2014/main" xmlns="" id="{79201C9E-489A-C19F-79FE-78E2A8A97AA4}"/>
               </a:ext>
             </a:extLst>
           </p:cNvPr>
@@ -2006,7 +2020,7 @@
           <p:cNvPr id="3" name="Date Placeholder 2">
             <a:extLst>
               <a:ext uri="{FF2B5EF4-FFF2-40B4-BE49-F238E27FC236}">
-                <a16:creationId xmlns:a16="http://schemas.microsoft.com/office/drawing/2014/main" id="{060381F2-B210-2E49-9E92-227B11989829}"/>
+                <a16:creationId xmlns:a16="http://schemas.microsoft.com/office/drawing/2014/main" xmlns="" id="{060381F2-B210-2E49-9E92-227B11989829}"/>
               </a:ext>
             </a:extLst>
           </p:cNvPr>
@@ -2024,7 +2038,8 @@
           <a:p>
             <a:fld id="{41A2B47E-BB99-4BBB-8B1A-3F49A22E7544}" type="datetimeFigureOut">
               <a:rPr lang="en-IN" smtClean="0"/>
-              <a:t>24-05-2024</a:t>
+              <a:pPr/>
+              <a:t>06-06-2024</a:t>
             </a:fld>
             <a:endParaRPr lang="en-IN"/>
           </a:p>
@@ -2035,7 +2050,7 @@
           <p:cNvPr id="4" name="Footer Placeholder 3">
             <a:extLst>
               <a:ext uri="{FF2B5EF4-FFF2-40B4-BE49-F238E27FC236}">
-                <a16:creationId xmlns:a16="http://schemas.microsoft.com/office/drawing/2014/main" id="{3D0131B4-FC93-E369-9539-EC046C8BB490}"/>
+                <a16:creationId xmlns:a16="http://schemas.microsoft.com/office/drawing/2014/main" xmlns="" id="{3D0131B4-FC93-E369-9539-EC046C8BB490}"/>
               </a:ext>
             </a:extLst>
           </p:cNvPr>
@@ -2060,7 +2075,7 @@
           <p:cNvPr id="5" name="Slide Number Placeholder 4">
             <a:extLst>
               <a:ext uri="{FF2B5EF4-FFF2-40B4-BE49-F238E27FC236}">
-                <a16:creationId xmlns:a16="http://schemas.microsoft.com/office/drawing/2014/main" id="{2B0F94AA-914B-ED95-9F4D-7EFF64F91139}"/>
+                <a16:creationId xmlns:a16="http://schemas.microsoft.com/office/drawing/2014/main" xmlns="" id="{2B0F94AA-914B-ED95-9F4D-7EFF64F91139}"/>
               </a:ext>
             </a:extLst>
           </p:cNvPr>
@@ -2078,6 +2093,7 @@
           <a:p>
             <a:fld id="{653E9718-0D39-422C-B19B-871401BBD83E}" type="slidenum">
               <a:rPr lang="en-IN" smtClean="0"/>
+              <a:pPr/>
               <a:t>‹#›</a:t>
             </a:fld>
             <a:endParaRPr lang="en-IN"/>
@@ -2087,7 +2103,7 @@
     </p:spTree>
     <p:extLst>
       <p:ext uri="{BB962C8B-B14F-4D97-AF65-F5344CB8AC3E}">
-        <p14:creationId xmlns:p14="http://schemas.microsoft.com/office/powerpoint/2010/main" val="1262419005"/>
+        <p14:creationId xmlns:p14="http://schemas.microsoft.com/office/powerpoint/2010/main" xmlns="" val="1262419005"/>
       </p:ext>
     </p:extLst>
   </p:cSld>
@@ -2119,7 +2135,7 @@
           <p:cNvPr id="2" name="Date Placeholder 1">
             <a:extLst>
               <a:ext uri="{FF2B5EF4-FFF2-40B4-BE49-F238E27FC236}">
-                <a16:creationId xmlns:a16="http://schemas.microsoft.com/office/drawing/2014/main" id="{F8BA37AE-593E-51C0-758D-F2781828DA18}"/>
+                <a16:creationId xmlns:a16="http://schemas.microsoft.com/office/drawing/2014/main" xmlns="" id="{F8BA37AE-593E-51C0-758D-F2781828DA18}"/>
               </a:ext>
             </a:extLst>
           </p:cNvPr>
@@ -2137,7 +2153,8 @@
           <a:p>
             <a:fld id="{41A2B47E-BB99-4BBB-8B1A-3F49A22E7544}" type="datetimeFigureOut">
               <a:rPr lang="en-IN" smtClean="0"/>
-              <a:t>24-05-2024</a:t>
+              <a:pPr/>
+              <a:t>06-06-2024</a:t>
             </a:fld>
             <a:endParaRPr lang="en-IN"/>
           </a:p>
@@ -2148,7 +2165,7 @@
           <p:cNvPr id="3" name="Footer Placeholder 2">
             <a:extLst>
               <a:ext uri="{FF2B5EF4-FFF2-40B4-BE49-F238E27FC236}">
-                <a16:creationId xmlns:a16="http://schemas.microsoft.com/office/drawing/2014/main" id="{1E6D6308-FA78-361C-AC2A-499E3FE4CC6B}"/>
+                <a16:creationId xmlns:a16="http://schemas.microsoft.com/office/drawing/2014/main" xmlns="" id="{1E6D6308-FA78-361C-AC2A-499E3FE4CC6B}"/>
               </a:ext>
             </a:extLst>
           </p:cNvPr>
@@ -2173,7 +2190,7 @@
           <p:cNvPr id="4" name="Slide Number Placeholder 3">
             <a:extLst>
               <a:ext uri="{FF2B5EF4-FFF2-40B4-BE49-F238E27FC236}">
-                <a16:creationId xmlns:a16="http://schemas.microsoft.com/office/drawing/2014/main" id="{20551ECC-5627-864F-E1DE-0AD387E0E6B6}"/>
+                <a16:creationId xmlns:a16="http://schemas.microsoft.com/office/drawing/2014/main" xmlns="" id="{20551ECC-5627-864F-E1DE-0AD387E0E6B6}"/>
               </a:ext>
             </a:extLst>
           </p:cNvPr>
@@ -2191,6 +2208,7 @@
           <a:p>
             <a:fld id="{653E9718-0D39-422C-B19B-871401BBD83E}" type="slidenum">
               <a:rPr lang="en-IN" smtClean="0"/>
+              <a:pPr/>
               <a:t>‹#›</a:t>
             </a:fld>
             <a:endParaRPr lang="en-IN"/>
@@ -2200,7 +2218,7 @@
     </p:spTree>
     <p:extLst>
       <p:ext uri="{BB962C8B-B14F-4D97-AF65-F5344CB8AC3E}">
-        <p14:creationId xmlns:p14="http://schemas.microsoft.com/office/powerpoint/2010/main" val="3968696715"/>
+        <p14:creationId xmlns:p14="http://schemas.microsoft.com/office/powerpoint/2010/main" xmlns="" val="3968696715"/>
       </p:ext>
     </p:extLst>
   </p:cSld>
@@ -2232,7 +2250,7 @@
           <p:cNvPr id="2" name="Title 1">
             <a:extLst>
               <a:ext uri="{FF2B5EF4-FFF2-40B4-BE49-F238E27FC236}">
-                <a16:creationId xmlns:a16="http://schemas.microsoft.com/office/drawing/2014/main" id="{A0A25024-8874-1AC0-E1E2-A1466A35FCA9}"/>
+                <a16:creationId xmlns:a16="http://schemas.microsoft.com/office/drawing/2014/main" xmlns="" id="{A0A25024-8874-1AC0-E1E2-A1466A35FCA9}"/>
               </a:ext>
             </a:extLst>
           </p:cNvPr>
@@ -2270,7 +2288,7 @@
           <p:cNvPr id="3" name="Content Placeholder 2">
             <a:extLst>
               <a:ext uri="{FF2B5EF4-FFF2-40B4-BE49-F238E27FC236}">
-                <a16:creationId xmlns:a16="http://schemas.microsoft.com/office/drawing/2014/main" id="{FB1753D4-A142-3627-9E28-863AC845364A}"/>
+                <a16:creationId xmlns:a16="http://schemas.microsoft.com/office/drawing/2014/main" xmlns="" id="{FB1753D4-A142-3627-9E28-863AC845364A}"/>
               </a:ext>
             </a:extLst>
           </p:cNvPr>
@@ -2361,7 +2379,7 @@
           <p:cNvPr id="4" name="Text Placeholder 3">
             <a:extLst>
               <a:ext uri="{FF2B5EF4-FFF2-40B4-BE49-F238E27FC236}">
-                <a16:creationId xmlns:a16="http://schemas.microsoft.com/office/drawing/2014/main" id="{8B29B872-26ED-90D7-20D5-3ADA28DD2789}"/>
+                <a16:creationId xmlns:a16="http://schemas.microsoft.com/office/drawing/2014/main" xmlns="" id="{8B29B872-26ED-90D7-20D5-3ADA28DD2789}"/>
               </a:ext>
             </a:extLst>
           </p:cNvPr>
@@ -2432,7 +2450,7 @@
           <p:cNvPr id="5" name="Date Placeholder 4">
             <a:extLst>
               <a:ext uri="{FF2B5EF4-FFF2-40B4-BE49-F238E27FC236}">
-                <a16:creationId xmlns:a16="http://schemas.microsoft.com/office/drawing/2014/main" id="{1F8CE52A-0D49-DF11-61D7-462801D2E471}"/>
+                <a16:creationId xmlns:a16="http://schemas.microsoft.com/office/drawing/2014/main" xmlns="" id="{1F8CE52A-0D49-DF11-61D7-462801D2E471}"/>
               </a:ext>
             </a:extLst>
           </p:cNvPr>
@@ -2450,7 +2468,8 @@
           <a:p>
             <a:fld id="{41A2B47E-BB99-4BBB-8B1A-3F49A22E7544}" type="datetimeFigureOut">
               <a:rPr lang="en-IN" smtClean="0"/>
-              <a:t>24-05-2024</a:t>
+              <a:pPr/>
+              <a:t>06-06-2024</a:t>
             </a:fld>
             <a:endParaRPr lang="en-IN"/>
           </a:p>
@@ -2461,7 +2480,7 @@
           <p:cNvPr id="6" name="Footer Placeholder 5">
             <a:extLst>
               <a:ext uri="{FF2B5EF4-FFF2-40B4-BE49-F238E27FC236}">
-                <a16:creationId xmlns:a16="http://schemas.microsoft.com/office/drawing/2014/main" id="{BECE6702-2EED-EED7-C188-58B412D5943B}"/>
+                <a16:creationId xmlns:a16="http://schemas.microsoft.com/office/drawing/2014/main" xmlns="" id="{BECE6702-2EED-EED7-C188-58B412D5943B}"/>
               </a:ext>
             </a:extLst>
           </p:cNvPr>
@@ -2486,7 +2505,7 @@
           <p:cNvPr id="7" name="Slide Number Placeholder 6">
             <a:extLst>
               <a:ext uri="{FF2B5EF4-FFF2-40B4-BE49-F238E27FC236}">
-                <a16:creationId xmlns:a16="http://schemas.microsoft.com/office/drawing/2014/main" id="{158739B6-DBE5-A862-7982-3079C748CE56}"/>
+                <a16:creationId xmlns:a16="http://schemas.microsoft.com/office/drawing/2014/main" xmlns="" id="{158739B6-DBE5-A862-7982-3079C748CE56}"/>
               </a:ext>
             </a:extLst>
           </p:cNvPr>
@@ -2504,6 +2523,7 @@
           <a:p>
             <a:fld id="{653E9718-0D39-422C-B19B-871401BBD83E}" type="slidenum">
               <a:rPr lang="en-IN" smtClean="0"/>
+              <a:pPr/>
               <a:t>‹#›</a:t>
             </a:fld>
             <a:endParaRPr lang="en-IN"/>
@@ -2513,7 +2533,7 @@
     </p:spTree>
     <p:extLst>
       <p:ext uri="{BB962C8B-B14F-4D97-AF65-F5344CB8AC3E}">
-        <p14:creationId xmlns:p14="http://schemas.microsoft.com/office/powerpoint/2010/main" val="2277908400"/>
+        <p14:creationId xmlns:p14="http://schemas.microsoft.com/office/powerpoint/2010/main" xmlns="" val="2277908400"/>
       </p:ext>
     </p:extLst>
   </p:cSld>
@@ -2545,7 +2565,7 @@
           <p:cNvPr id="2" name="Title 1">
             <a:extLst>
               <a:ext uri="{FF2B5EF4-FFF2-40B4-BE49-F238E27FC236}">
-                <a16:creationId xmlns:a16="http://schemas.microsoft.com/office/drawing/2014/main" id="{5C316690-F1B9-E4AF-F2A0-F10AFC7E9CFE}"/>
+                <a16:creationId xmlns:a16="http://schemas.microsoft.com/office/drawing/2014/main" xmlns="" id="{5C316690-F1B9-E4AF-F2A0-F10AFC7E9CFE}"/>
               </a:ext>
             </a:extLst>
           </p:cNvPr>
@@ -2583,7 +2603,7 @@
           <p:cNvPr id="3" name="Picture Placeholder 2">
             <a:extLst>
               <a:ext uri="{FF2B5EF4-FFF2-40B4-BE49-F238E27FC236}">
-                <a16:creationId xmlns:a16="http://schemas.microsoft.com/office/drawing/2014/main" id="{F849A308-0F69-54BB-F994-A50437EFDFFB}"/>
+                <a16:creationId xmlns:a16="http://schemas.microsoft.com/office/drawing/2014/main" xmlns="" id="{F849A308-0F69-54BB-F994-A50437EFDFFB}"/>
               </a:ext>
             </a:extLst>
           </p:cNvPr>
@@ -2650,7 +2670,7 @@
           <p:cNvPr id="4" name="Text Placeholder 3">
             <a:extLst>
               <a:ext uri="{FF2B5EF4-FFF2-40B4-BE49-F238E27FC236}">
-                <a16:creationId xmlns:a16="http://schemas.microsoft.com/office/drawing/2014/main" id="{7BD12F6A-C52D-D0C9-00A6-2346AD18512E}"/>
+                <a16:creationId xmlns:a16="http://schemas.microsoft.com/office/drawing/2014/main" xmlns="" id="{7BD12F6A-C52D-D0C9-00A6-2346AD18512E}"/>
               </a:ext>
             </a:extLst>
           </p:cNvPr>
@@ -2721,7 +2741,7 @@
           <p:cNvPr id="5" name="Date Placeholder 4">
             <a:extLst>
               <a:ext uri="{FF2B5EF4-FFF2-40B4-BE49-F238E27FC236}">
-                <a16:creationId xmlns:a16="http://schemas.microsoft.com/office/drawing/2014/main" id="{18FCE0AD-251C-8CEC-0D5E-1D1483AE8289}"/>
+                <a16:creationId xmlns:a16="http://schemas.microsoft.com/office/drawing/2014/main" xmlns="" id="{18FCE0AD-251C-8CEC-0D5E-1D1483AE8289}"/>
               </a:ext>
             </a:extLst>
           </p:cNvPr>
@@ -2739,7 +2759,8 @@
           <a:p>
             <a:fld id="{41A2B47E-BB99-4BBB-8B1A-3F49A22E7544}" type="datetimeFigureOut">
               <a:rPr lang="en-IN" smtClean="0"/>
-              <a:t>24-05-2024</a:t>
+              <a:pPr/>
+              <a:t>06-06-2024</a:t>
             </a:fld>
             <a:endParaRPr lang="en-IN"/>
           </a:p>
@@ -2750,7 +2771,7 @@
           <p:cNvPr id="6" name="Footer Placeholder 5">
             <a:extLst>
               <a:ext uri="{FF2B5EF4-FFF2-40B4-BE49-F238E27FC236}">
-                <a16:creationId xmlns:a16="http://schemas.microsoft.com/office/drawing/2014/main" id="{6DC0E712-D037-BBE1-907B-42F129B88846}"/>
+                <a16:creationId xmlns:a16="http://schemas.microsoft.com/office/drawing/2014/main" xmlns="" id="{6DC0E712-D037-BBE1-907B-42F129B88846}"/>
               </a:ext>
             </a:extLst>
           </p:cNvPr>
@@ -2775,7 +2796,7 @@
           <p:cNvPr id="7" name="Slide Number Placeholder 6">
             <a:extLst>
               <a:ext uri="{FF2B5EF4-FFF2-40B4-BE49-F238E27FC236}">
-                <a16:creationId xmlns:a16="http://schemas.microsoft.com/office/drawing/2014/main" id="{0E51EF8D-ABE8-5A97-D66F-2F3DE1616B6F}"/>
+                <a16:creationId xmlns:a16="http://schemas.microsoft.com/office/drawing/2014/main" xmlns="" id="{0E51EF8D-ABE8-5A97-D66F-2F3DE1616B6F}"/>
               </a:ext>
             </a:extLst>
           </p:cNvPr>
@@ -2793,6 +2814,7 @@
           <a:p>
             <a:fld id="{653E9718-0D39-422C-B19B-871401BBD83E}" type="slidenum">
               <a:rPr lang="en-IN" smtClean="0"/>
+              <a:pPr/>
               <a:t>‹#›</a:t>
             </a:fld>
             <a:endParaRPr lang="en-IN"/>
@@ -2802,7 +2824,7 @@
     </p:spTree>
     <p:extLst>
       <p:ext uri="{BB962C8B-B14F-4D97-AF65-F5344CB8AC3E}">
-        <p14:creationId xmlns:p14="http://schemas.microsoft.com/office/powerpoint/2010/main" val="810207961"/>
+        <p14:creationId xmlns:p14="http://schemas.microsoft.com/office/powerpoint/2010/main" xmlns="" val="810207961"/>
       </p:ext>
     </p:extLst>
   </p:cSld>
@@ -2839,7 +2861,7 @@
           <p:cNvPr id="2" name="Title Placeholder 1">
             <a:extLst>
               <a:ext uri="{FF2B5EF4-FFF2-40B4-BE49-F238E27FC236}">
-                <a16:creationId xmlns:a16="http://schemas.microsoft.com/office/drawing/2014/main" id="{72BF293D-47A4-FAE7-C2D5-F14E396F2358}"/>
+                <a16:creationId xmlns:a16="http://schemas.microsoft.com/office/drawing/2014/main" xmlns="" id="{72BF293D-47A4-FAE7-C2D5-F14E396F2358}"/>
               </a:ext>
             </a:extLst>
           </p:cNvPr>
@@ -2878,7 +2900,7 @@
           <p:cNvPr id="3" name="Text Placeholder 2">
             <a:extLst>
               <a:ext uri="{FF2B5EF4-FFF2-40B4-BE49-F238E27FC236}">
-                <a16:creationId xmlns:a16="http://schemas.microsoft.com/office/drawing/2014/main" id="{29B7C113-2C40-4B7A-B5F2-75D521DC22CE}"/>
+                <a16:creationId xmlns:a16="http://schemas.microsoft.com/office/drawing/2014/main" xmlns="" id="{29B7C113-2C40-4B7A-B5F2-75D521DC22CE}"/>
               </a:ext>
             </a:extLst>
           </p:cNvPr>
@@ -2946,7 +2968,7 @@
           <p:cNvPr id="4" name="Date Placeholder 3">
             <a:extLst>
               <a:ext uri="{FF2B5EF4-FFF2-40B4-BE49-F238E27FC236}">
-                <a16:creationId xmlns:a16="http://schemas.microsoft.com/office/drawing/2014/main" id="{3F553984-AE0A-7E93-51AA-8F40B9846967}"/>
+                <a16:creationId xmlns:a16="http://schemas.microsoft.com/office/drawing/2014/main" xmlns="" id="{3F553984-AE0A-7E93-51AA-8F40B9846967}"/>
               </a:ext>
             </a:extLst>
           </p:cNvPr>
@@ -2982,7 +3004,8 @@
           <a:p>
             <a:fld id="{41A2B47E-BB99-4BBB-8B1A-3F49A22E7544}" type="datetimeFigureOut">
               <a:rPr lang="en-IN" smtClean="0"/>
-              <a:t>24-05-2024</a:t>
+              <a:pPr/>
+              <a:t>06-06-2024</a:t>
             </a:fld>
             <a:endParaRPr lang="en-IN"/>
           </a:p>
@@ -2993,7 +3016,7 @@
           <p:cNvPr id="5" name="Footer Placeholder 4">
             <a:extLst>
               <a:ext uri="{FF2B5EF4-FFF2-40B4-BE49-F238E27FC236}">
-                <a16:creationId xmlns:a16="http://schemas.microsoft.com/office/drawing/2014/main" id="{3C96B53B-07A2-0F38-EE71-2D26BB8CC57F}"/>
+                <a16:creationId xmlns:a16="http://schemas.microsoft.com/office/drawing/2014/main" xmlns="" id="{3C96B53B-07A2-0F38-EE71-2D26BB8CC57F}"/>
               </a:ext>
             </a:extLst>
           </p:cNvPr>
@@ -3036,7 +3059,7 @@
           <p:cNvPr id="6" name="Slide Number Placeholder 5">
             <a:extLst>
               <a:ext uri="{FF2B5EF4-FFF2-40B4-BE49-F238E27FC236}">
-                <a16:creationId xmlns:a16="http://schemas.microsoft.com/office/drawing/2014/main" id="{092DA5AB-FAFA-28CA-94AD-CE79C6DD8E56}"/>
+                <a16:creationId xmlns:a16="http://schemas.microsoft.com/office/drawing/2014/main" xmlns="" id="{092DA5AB-FAFA-28CA-94AD-CE79C6DD8E56}"/>
               </a:ext>
             </a:extLst>
           </p:cNvPr>
@@ -3072,6 +3095,7 @@
           <a:p>
             <a:fld id="{653E9718-0D39-422C-B19B-871401BBD83E}" type="slidenum">
               <a:rPr lang="en-IN" smtClean="0"/>
+              <a:pPr/>
               <a:t>‹#›</a:t>
             </a:fld>
             <a:endParaRPr lang="en-IN"/>
@@ -3081,7 +3105,7 @@
     </p:spTree>
     <p:extLst>
       <p:ext uri="{BB962C8B-B14F-4D97-AF65-F5344CB8AC3E}">
-        <p14:creationId xmlns:p14="http://schemas.microsoft.com/office/powerpoint/2010/main" val="2686661196"/>
+        <p14:creationId xmlns:p14="http://schemas.microsoft.com/office/powerpoint/2010/main" xmlns="" val="2686661196"/>
       </p:ext>
     </p:extLst>
   </p:cSld>
@@ -3404,7 +3428,7 @@
           <p:cNvPr id="5" name="Table 4">
             <a:extLst>
               <a:ext uri="{FF2B5EF4-FFF2-40B4-BE49-F238E27FC236}">
-                <a16:creationId xmlns:a16="http://schemas.microsoft.com/office/drawing/2014/main" id="{1634A2E3-A3B3-3F66-2D40-F5DA17413A5D}"/>
+                <a16:creationId xmlns:a16="http://schemas.microsoft.com/office/drawing/2014/main" xmlns="" id="{1634A2E3-A3B3-3F66-2D40-F5DA17413A5D}"/>
               </a:ext>
             </a:extLst>
           </p:cNvPr>
@@ -3414,14 +3438,14 @@
           <p:nvPr>
             <p:extLst>
               <p:ext uri="{D42A27DB-BD31-4B8C-83A1-F6EECF244321}">
-                <p14:modId xmlns:p14="http://schemas.microsoft.com/office/powerpoint/2010/main" val="3619648623"/>
+                <p14:modId xmlns:p14="http://schemas.microsoft.com/office/powerpoint/2010/main" xmlns="" val="3619648623"/>
               </p:ext>
             </p:extLst>
           </p:nvPr>
         </p:nvGraphicFramePr>
         <p:xfrm>
           <a:off x="0" y="0"/>
-          <a:ext cx="12192000" cy="6857998"/>
+          <a:ext cx="12192000" cy="6920347"/>
         </p:xfrm>
         <a:graphic>
           <a:graphicData uri="http://schemas.openxmlformats.org/drawingml/2006/table">
@@ -3433,7 +3457,7 @@
                 <a:gridCol w="12192000">
                   <a:extLst>
                     <a:ext uri="{9D8B030D-6E8A-4147-A177-3AD203B41FA5}">
-                      <a16:colId xmlns:a16="http://schemas.microsoft.com/office/drawing/2014/main" val="4113318614"/>
+                      <a16:colId xmlns:a16="http://schemas.microsoft.com/office/drawing/2014/main" xmlns="" val="4113318614"/>
                     </a:ext>
                   </a:extLst>
                 </a:gridCol>
@@ -3455,7 +3479,7 @@
                         <a:t>SoftSkills</a:t>
                       </a:r>
                       <a:r>
-                        <a:rPr lang="en-IN" sz="2400" u="none">
+                        <a:rPr lang="en-IN" sz="2400" u="none" dirty="0">
                           <a:solidFill>
                             <a:schemeClr val="bg1"/>
                           </a:solidFill>
@@ -3463,19 +3487,13 @@
                         </a:rPr>
                         <a:t> Assignment Module – (1)</a:t>
                       </a:r>
-                      <a:endParaRPr lang="en-IN" sz="2400" u="none" dirty="0">
-                        <a:solidFill>
-                          <a:schemeClr val="bg1"/>
-                        </a:solidFill>
-                        <a:latin typeface="Trebuchet MS" panose="020B0603020202020204" pitchFamily="34" charset="0"/>
-                      </a:endParaRPr>
                     </a:p>
                   </a:txBody>
                   <a:tcPr/>
                 </a:tc>
                 <a:extLst>
                   <a:ext uri="{0D108BD9-81ED-4DB2-BD59-A6C34878D82A}">
-                    <a16:rowId xmlns:a16="http://schemas.microsoft.com/office/drawing/2014/main" val="1783768138"/>
+                    <a16:rowId xmlns:a16="http://schemas.microsoft.com/office/drawing/2014/main" xmlns="" val="1783768138"/>
                   </a:ext>
                 </a:extLst>
               </a:tr>
@@ -3530,7 +3548,7 @@
                 </a:tc>
                 <a:extLst>
                   <a:ext uri="{0D108BD9-81ED-4DB2-BD59-A6C34878D82A}">
-                    <a16:rowId xmlns:a16="http://schemas.microsoft.com/office/drawing/2014/main" val="4021453331"/>
+                    <a16:rowId xmlns:a16="http://schemas.microsoft.com/office/drawing/2014/main" xmlns="" val="4021453331"/>
                   </a:ext>
                 </a:extLst>
               </a:tr>
@@ -3644,7 +3662,7 @@
                 </a:tc>
                 <a:extLst>
                   <a:ext uri="{0D108BD9-81ED-4DB2-BD59-A6C34878D82A}">
-                    <a16:rowId xmlns:a16="http://schemas.microsoft.com/office/drawing/2014/main" val="3063197472"/>
+                    <a16:rowId xmlns:a16="http://schemas.microsoft.com/office/drawing/2014/main" xmlns="" val="3063197472"/>
                   </a:ext>
                 </a:extLst>
               </a:tr>
@@ -3663,7 +3681,7 @@
                 </a:tc>
                 <a:extLst>
                   <a:ext uri="{0D108BD9-81ED-4DB2-BD59-A6C34878D82A}">
-                    <a16:rowId xmlns:a16="http://schemas.microsoft.com/office/drawing/2014/main" val="56091200"/>
+                    <a16:rowId xmlns:a16="http://schemas.microsoft.com/office/drawing/2014/main" xmlns="" val="56091200"/>
                   </a:ext>
                 </a:extLst>
               </a:tr>
@@ -3706,7 +3724,7 @@
                 </a:tc>
                 <a:extLst>
                   <a:ext uri="{0D108BD9-81ED-4DB2-BD59-A6C34878D82A}">
-                    <a16:rowId xmlns:a16="http://schemas.microsoft.com/office/drawing/2014/main" val="967875843"/>
+                    <a16:rowId xmlns:a16="http://schemas.microsoft.com/office/drawing/2014/main" xmlns="" val="967875843"/>
                   </a:ext>
                 </a:extLst>
               </a:tr>
@@ -3743,7 +3761,7 @@
                 </a:tc>
                 <a:extLst>
                   <a:ext uri="{0D108BD9-81ED-4DB2-BD59-A6C34878D82A}">
-                    <a16:rowId xmlns:a16="http://schemas.microsoft.com/office/drawing/2014/main" val="3942909780"/>
+                    <a16:rowId xmlns:a16="http://schemas.microsoft.com/office/drawing/2014/main" xmlns="" val="3942909780"/>
                   </a:ext>
                 </a:extLst>
               </a:tr>
@@ -3760,7 +3778,7 @@
                 </a:tc>
                 <a:extLst>
                   <a:ext uri="{0D108BD9-81ED-4DB2-BD59-A6C34878D82A}">
-                    <a16:rowId xmlns:a16="http://schemas.microsoft.com/office/drawing/2014/main" val="3466196173"/>
+                    <a16:rowId xmlns:a16="http://schemas.microsoft.com/office/drawing/2014/main" xmlns="" val="3466196173"/>
                   </a:ext>
                 </a:extLst>
               </a:tr>
@@ -3795,7 +3813,7 @@
                 </a:tc>
                 <a:extLst>
                   <a:ext uri="{0D108BD9-81ED-4DB2-BD59-A6C34878D82A}">
-                    <a16:rowId xmlns:a16="http://schemas.microsoft.com/office/drawing/2014/main" val="1884814151"/>
+                    <a16:rowId xmlns:a16="http://schemas.microsoft.com/office/drawing/2014/main" xmlns="" val="1884814151"/>
                   </a:ext>
                 </a:extLst>
               </a:tr>
@@ -3832,7 +3850,7 @@
                 </a:tc>
                 <a:extLst>
                   <a:ext uri="{0D108BD9-81ED-4DB2-BD59-A6C34878D82A}">
-                    <a16:rowId xmlns:a16="http://schemas.microsoft.com/office/drawing/2014/main" val="2653367621"/>
+                    <a16:rowId xmlns:a16="http://schemas.microsoft.com/office/drawing/2014/main" xmlns="" val="2653367621"/>
                   </a:ext>
                 </a:extLst>
               </a:tr>
@@ -3842,14 +3860,65 @@
                     <a:bodyPr/>
                     <a:lstStyle/>
                     <a:p>
-                      <a:endParaRPr lang="en-IN" dirty="0"/>
+                      <a:pPr algn="ctr"/>
+                      <a:r>
+                        <a:rPr lang="en-IN" dirty="0" smtClean="0">
+                          <a:solidFill>
+                            <a:schemeClr val="bg2">
+                              <a:lumMod val="10000"/>
+                            </a:schemeClr>
+                          </a:solidFill>
+                          <a:hlinkClick r:id="rId2"/>
+                        </a:rPr>
+                        <a:t>My </a:t>
+                      </a:r>
+                      <a:r>
+                        <a:rPr lang="en-IN" dirty="0" err="1" smtClean="0">
+                          <a:solidFill>
+                            <a:schemeClr val="bg2">
+                              <a:lumMod val="10000"/>
+                            </a:schemeClr>
+                          </a:solidFill>
+                          <a:hlinkClick r:id="rId2"/>
+                        </a:rPr>
+                        <a:t>youtube</a:t>
+                      </a:r>
+                      <a:r>
+                        <a:rPr lang="en-IN" dirty="0" smtClean="0">
+                          <a:solidFill>
+                            <a:schemeClr val="bg2">
+                              <a:lumMod val="10000"/>
+                            </a:schemeClr>
+                          </a:solidFill>
+                          <a:hlinkClick r:id="rId2"/>
+                        </a:rPr>
+                        <a:t> video</a:t>
+                      </a:r>
+                      <a:r>
+                        <a:rPr lang="en-IN" baseline="0" dirty="0" smtClean="0">
+                          <a:solidFill>
+                            <a:schemeClr val="bg2">
+                              <a:lumMod val="10000"/>
+                            </a:schemeClr>
+                          </a:solidFill>
+                          <a:hlinkClick r:id="rId2"/>
+                        </a:rPr>
+                        <a:t> link</a:t>
+                      </a:r>
+                      <a:endParaRPr lang="en-IN" dirty="0">
+                        <a:solidFill>
+                          <a:schemeClr val="bg2">
+                            <a:lumMod val="10000"/>
+                          </a:schemeClr>
+                        </a:solidFill>
+                      </a:endParaRPr>
                     </a:p>
                   </a:txBody>
                   <a:tcPr/>
                 </a:tc>
                 <a:extLst>
                   <a:ext uri="{0D108BD9-81ED-4DB2-BD59-A6C34878D82A}">
-                    <a16:rowId xmlns:a16="http://schemas.microsoft.com/office/drawing/2014/main" val="3580855909"/>
+                    <a16:rowId xmlns:a16="http://schemas.microsoft.com/office/drawing/2014/main" xmlns="" val="3580855909"/>
                   </a:ext>
                 </a:extLst>
               </a:tr>
@@ -3860,7 +3929,7 @@
     </p:spTree>
     <p:extLst>
       <p:ext uri="{BB962C8B-B14F-4D97-AF65-F5344CB8AC3E}">
-        <p14:creationId xmlns:p14="http://schemas.microsoft.com/office/powerpoint/2010/main" val="883491240"/>
+        <p14:creationId xmlns:p14="http://schemas.microsoft.com/office/powerpoint/2010/main" xmlns="" val="883491240"/>
       </p:ext>
     </p:extLst>
   </p:cSld>
@@ -3913,7 +3982,7 @@
     </a:clrScheme>
     <a:fontScheme name="Office">
       <a:majorFont>
-        <a:latin typeface="Calibri Light" panose="020F0302020204030204"/>
+        <a:latin typeface="Calibri Light"/>
         <a:ea typeface=""/>
         <a:cs typeface=""/>
         <a:font script="Jpan" typeface="游ゴシック Light"/>
@@ -3965,7 +4034,7 @@
         <a:font script="Tfng" typeface="Ebrima"/>
       </a:majorFont>
       <a:minorFont>
-        <a:latin typeface="Calibri" panose="020F0502020204030204"/>
+        <a:latin typeface="Calibri"/>
         <a:ea typeface=""/>
         <a:cs typeface=""/>
         <a:font script="Jpan" typeface="游ゴシック"/>
@@ -4159,7 +4228,7 @@
   <a:extraClrSchemeLst/>
   <a:extLst>
     <a:ext uri="{05A4C25C-085E-4340-85A3-A5531E510DB2}">
-      <thm15:themeFamily xmlns:thm15="http://schemas.microsoft.com/office/thememl/2012/main" name="Office Theme" id="{62F939B6-93AF-4DB8-9C6B-D6C7DFDC589F}" vid="{4A3C46E8-61CC-4603-A589-7422A47A8E4A}"/>
+      <thm15:themeFamily xmlns:thm15="http://schemas.microsoft.com/office/thememl/2012/main" xmlns="" name="Office Theme" id="{62F939B6-93AF-4DB8-9C6B-D6C7DFDC589F}" vid="{4A3C46E8-61CC-4603-A589-7422A47A8E4A}"/>
     </a:ext>
   </a:extLst>
 </a:theme>
